--- a/pslides/01_ml.pptx
+++ b/pslides/01_ml.pptx
@@ -281,7 +281,7 @@
           <a:p>
             <a:fld id="{7B9169B0-A344-9A43-AAD5-682508993835}" type="datetimeFigureOut">
               <a:rPr lang="fr-FR" smtClean="0"/>
-              <a:t>12/01/2022</a:t>
+              <a:t>30/12/2022</a:t>
             </a:fld>
             <a:endParaRPr lang="fr-FR"/>
           </a:p>
@@ -479,7 +479,7 @@
           <a:p>
             <a:fld id="{7B9169B0-A344-9A43-AAD5-682508993835}" type="datetimeFigureOut">
               <a:rPr lang="fr-FR" smtClean="0"/>
-              <a:t>12/01/2022</a:t>
+              <a:t>30/12/2022</a:t>
             </a:fld>
             <a:endParaRPr lang="fr-FR"/>
           </a:p>
@@ -687,7 +687,7 @@
           <a:p>
             <a:fld id="{7B9169B0-A344-9A43-AAD5-682508993835}" type="datetimeFigureOut">
               <a:rPr lang="fr-FR" smtClean="0"/>
-              <a:t>12/01/2022</a:t>
+              <a:t>30/12/2022</a:t>
             </a:fld>
             <a:endParaRPr lang="fr-FR"/>
           </a:p>
@@ -885,7 +885,7 @@
           <a:p>
             <a:fld id="{7B9169B0-A344-9A43-AAD5-682508993835}" type="datetimeFigureOut">
               <a:rPr lang="fr-FR" smtClean="0"/>
-              <a:t>12/01/2022</a:t>
+              <a:t>30/12/2022</a:t>
             </a:fld>
             <a:endParaRPr lang="fr-FR"/>
           </a:p>
@@ -1160,7 +1160,7 @@
           <a:p>
             <a:fld id="{7B9169B0-A344-9A43-AAD5-682508993835}" type="datetimeFigureOut">
               <a:rPr lang="fr-FR" smtClean="0"/>
-              <a:t>12/01/2022</a:t>
+              <a:t>30/12/2022</a:t>
             </a:fld>
             <a:endParaRPr lang="fr-FR"/>
           </a:p>
@@ -1425,7 +1425,7 @@
           <a:p>
             <a:fld id="{7B9169B0-A344-9A43-AAD5-682508993835}" type="datetimeFigureOut">
               <a:rPr lang="fr-FR" smtClean="0"/>
-              <a:t>12/01/2022</a:t>
+              <a:t>30/12/2022</a:t>
             </a:fld>
             <a:endParaRPr lang="fr-FR"/>
           </a:p>
@@ -1837,7 +1837,7 @@
           <a:p>
             <a:fld id="{7B9169B0-A344-9A43-AAD5-682508993835}" type="datetimeFigureOut">
               <a:rPr lang="fr-FR" smtClean="0"/>
-              <a:t>12/01/2022</a:t>
+              <a:t>30/12/2022</a:t>
             </a:fld>
             <a:endParaRPr lang="fr-FR"/>
           </a:p>
@@ -1978,7 +1978,7 @@
           <a:p>
             <a:fld id="{7B9169B0-A344-9A43-AAD5-682508993835}" type="datetimeFigureOut">
               <a:rPr lang="fr-FR" smtClean="0"/>
-              <a:t>12/01/2022</a:t>
+              <a:t>30/12/2022</a:t>
             </a:fld>
             <a:endParaRPr lang="fr-FR"/>
           </a:p>
@@ -2091,7 +2091,7 @@
           <a:p>
             <a:fld id="{7B9169B0-A344-9A43-AAD5-682508993835}" type="datetimeFigureOut">
               <a:rPr lang="fr-FR" smtClean="0"/>
-              <a:t>12/01/2022</a:t>
+              <a:t>30/12/2022</a:t>
             </a:fld>
             <a:endParaRPr lang="fr-FR"/>
           </a:p>
@@ -2402,7 +2402,7 @@
           <a:p>
             <a:fld id="{7B9169B0-A344-9A43-AAD5-682508993835}" type="datetimeFigureOut">
               <a:rPr lang="fr-FR" smtClean="0"/>
-              <a:t>12/01/2022</a:t>
+              <a:t>30/12/2022</a:t>
             </a:fld>
             <a:endParaRPr lang="fr-FR"/>
           </a:p>
@@ -2690,7 +2690,7 @@
           <a:p>
             <a:fld id="{7B9169B0-A344-9A43-AAD5-682508993835}" type="datetimeFigureOut">
               <a:rPr lang="fr-FR" smtClean="0"/>
-              <a:t>12/01/2022</a:t>
+              <a:t>30/12/2022</a:t>
             </a:fld>
             <a:endParaRPr lang="fr-FR"/>
           </a:p>
@@ -2931,7 +2931,7 @@
           <a:p>
             <a:fld id="{7B9169B0-A344-9A43-AAD5-682508993835}" type="datetimeFigureOut">
               <a:rPr lang="fr-FR" smtClean="0"/>
-              <a:t>12/01/2022</a:t>
+              <a:t>30/12/2022</a:t>
             </a:fld>
             <a:endParaRPr lang="fr-FR"/>
           </a:p>
@@ -4686,7 +4686,7 @@
         <p:spPr>
           <a:xfrm>
             <a:off x="110031" y="929843"/>
-            <a:ext cx="4466899" cy="3477875"/>
+            <a:ext cx="4677629" cy="3477875"/>
           </a:xfrm>
           <a:prstGeom prst="rect">
             <a:avLst/>
@@ -4701,7 +4701,15 @@
           <a:p>
             <a:r>
               <a:rPr lang="fr-FR" sz="2000" noProof="1"/>
-              <a:t>A probability is a number between 0 and 1 that gives the proportion of times we would expect an event to happen if we could replicate observing something many times.</a:t>
+              <a:t>A probability is a number </a:t>
+            </a:r>
+            <a:r>
+              <a:rPr lang="fr-FR" sz="2000" b="1" noProof="1"/>
+              <a:t>between 0 and 1</a:t>
+            </a:r>
+            <a:r>
+              <a:rPr lang="fr-FR" sz="2000" noProof="1"/>
+              <a:t> that gives the proportion of times we would expect an event to happen if we could replicate observing something many times.</a:t>
             </a:r>
           </a:p>
           <a:p>
@@ -4916,7 +4924,49 @@
           <a:p>
             <a:r>
               <a:rPr lang="fr-FR" sz="2000" noProof="1"/>
-              <a:t>The values a, b, and c can be set to any real numbers we want. The idea is that we will use the training data to determine good values for them and then can use the model to predict values on the validation data (or even, entirely new data that we do not yet have).</a:t>
+              <a:t>The values </a:t>
+            </a:r>
+            <a:r>
+              <a:rPr lang="fr-FR" sz="2000" b="1" noProof="1">
+                <a:solidFill>
+                  <a:schemeClr val="accent6">
+                    <a:lumMod val="75000"/>
+                  </a:schemeClr>
+                </a:solidFill>
+              </a:rPr>
+              <a:t>a</a:t>
+            </a:r>
+            <a:r>
+              <a:rPr lang="fr-FR" sz="2000" noProof="1"/>
+              <a:t>, </a:t>
+            </a:r>
+            <a:r>
+              <a:rPr lang="fr-FR" sz="2000" b="1" noProof="1">
+                <a:solidFill>
+                  <a:schemeClr val="accent6">
+                    <a:lumMod val="75000"/>
+                  </a:schemeClr>
+                </a:solidFill>
+              </a:rPr>
+              <a:t>b</a:t>
+            </a:r>
+            <a:r>
+              <a:rPr lang="fr-FR" sz="2000" noProof="1"/>
+              <a:t>, and </a:t>
+            </a:r>
+            <a:r>
+              <a:rPr lang="fr-FR" sz="2000" b="1" noProof="1">
+                <a:solidFill>
+                  <a:schemeClr val="accent6">
+                    <a:lumMod val="75000"/>
+                  </a:schemeClr>
+                </a:solidFill>
+              </a:rPr>
+              <a:t>c</a:t>
+            </a:r>
+            <a:r>
+              <a:rPr lang="fr-FR" sz="2000" noProof="1"/>
+              <a:t> can be set to any real numbers we want. The idea is that we will use the training data to determine good values for them and then can use the model to predict values on the validation data (or even, entirely new data that we do not yet have).</a:t>
             </a:r>
           </a:p>
         </p:txBody>
@@ -5231,7 +5281,21 @@
           <a:p>
             <a:r>
               <a:rPr lang="fr-FR" sz="2000" noProof="1"/>
-              <a:t>With some simple algebra, we can re-arrange to see that (assuming c is positive),* this defines a line with a slope and intercept.</a:t>
+              <a:t>With some simple algebra, we can re-arrange to see that (assuming </a:t>
+            </a:r>
+            <a:r>
+              <a:rPr lang="fr-FR" sz="2000" b="1" noProof="1">
+                <a:solidFill>
+                  <a:schemeClr val="accent6">
+                    <a:lumMod val="75000"/>
+                  </a:schemeClr>
+                </a:solidFill>
+              </a:rPr>
+              <a:t>c</a:t>
+            </a:r>
+            <a:r>
+              <a:rPr lang="fr-FR" sz="2000" noProof="1"/>
+              <a:t> is positive),* this defines a line with a slope and intercept.</a:t>
             </a:r>
           </a:p>
           <a:p>
@@ -5261,7 +5325,27 @@
                   </a:schemeClr>
                 </a:solidFill>
               </a:rPr>
-              <a:t>* When c is negative, the inequality reverses, which still makes a line, but with the orange points below rather than above. A value of zero gives a vertical line; still okay, but some of the math gets a bit messy.</a:t>
+              <a:t>* When </a:t>
+            </a:r>
+            <a:r>
+              <a:rPr lang="fr-FR" b="1" i="1" noProof="1">
+                <a:solidFill>
+                  <a:schemeClr val="accent6">
+                    <a:lumMod val="75000"/>
+                  </a:schemeClr>
+                </a:solidFill>
+              </a:rPr>
+              <a:t>c</a:t>
+            </a:r>
+            <a:r>
+              <a:rPr lang="fr-FR" i="1" noProof="1">
+                <a:solidFill>
+                  <a:schemeClr val="bg1">
+                    <a:lumMod val="50000"/>
+                  </a:schemeClr>
+                </a:solidFill>
+              </a:rPr>
+              <a:t> is negative, the inequality reverses, which still makes a line, but with the orange points below rather than above. A value of zero gives a horizontal line; still okay, but some of the math gets a bit messy.</a:t>
             </a:r>
           </a:p>
         </p:txBody>
@@ -5687,7 +5771,7 @@
           <a:p>
             <a:r>
               <a:rPr lang="fr-FR" sz="3200" noProof="1"/>
-              <a:t>Y &lt; (</a:t>
+              <a:t>Y &gt; (-</a:t>
             </a:r>
             <a:r>
               <a:rPr lang="fr-FR" sz="3200" b="1" noProof="1">
@@ -5825,7 +5909,7 @@
           <a:p>
             <a:r>
               <a:rPr lang="fr-FR" sz="3200" noProof="1"/>
-              <a:t>Y &lt; [</a:t>
+              <a:t>Y &gt; [</a:t>
             </a:r>
             <a:r>
               <a:rPr lang="fr-FR" sz="3200" noProof="1">
@@ -6387,8 +6471,8 @@
         </p:nvSpPr>
         <p:spPr>
           <a:xfrm>
-            <a:off x="110030" y="929843"/>
-            <a:ext cx="5134631" cy="1323439"/>
+            <a:off x="110031" y="929843"/>
+            <a:ext cx="4919170" cy="1631216"/>
           </a:xfrm>
           <a:prstGeom prst="rect">
             <a:avLst/>
@@ -6403,7 +6487,7 @@
           <a:p>
             <a:r>
               <a:rPr lang="fr-FR" sz="2000" noProof="1"/>
-              <a:t>This does not actual affect our primarily conclusion before that the model creates a classification line. Now, we just want the linear value to be 0 instead of 0.5.</a:t>
+              <a:t>This does not actual affect our primarily conclusion before that the model creates a classification line. The only different is that now we want to find points where the value of (a + b × X + c × Y) is 0 instead of 0.5.</a:t>
             </a:r>
           </a:p>
         </p:txBody>
@@ -6805,7 +6889,7 @@
           <a:p>
             <a:r>
               <a:rPr lang="fr-FR" sz="3200" noProof="1"/>
-              <a:t>Y &gt; (</a:t>
+              <a:t>Y &gt; (-</a:t>
             </a:r>
             <a:r>
               <a:rPr lang="fr-FR" sz="3200" b="1" noProof="1">
@@ -6865,31 +6949,7 @@
             </a:r>
             <a:r>
               <a:rPr lang="fr-FR" sz="3200" noProof="1"/>
-              <a:t> X + (0.5 / </a:t>
-            </a:r>
-            <a:r>
-              <a:rPr lang="fr-FR" sz="3200" b="1" noProof="1">
-                <a:solidFill>
-                  <a:schemeClr val="accent6">
-                    <a:lumMod val="75000"/>
-                  </a:schemeClr>
-                </a:solidFill>
-              </a:rPr>
-              <a:t>c</a:t>
-            </a:r>
-            <a:r>
-              <a:rPr lang="fr-FR" sz="3200" b="1" noProof="1">
-                <a:solidFill>
-                  <a:schemeClr val="accent5">
-                    <a:lumMod val="75000"/>
-                  </a:schemeClr>
-                </a:solidFill>
-              </a:rPr>
-              <a:t> </a:t>
-            </a:r>
-            <a:r>
-              <a:rPr lang="fr-FR" sz="3200" noProof="1"/>
-              <a:t> – </a:t>
+              <a:t> X – (</a:t>
             </a:r>
             <a:r>
               <a:rPr lang="fr-FR" sz="3200" b="1" noProof="1">
@@ -7194,7 +7254,15 @@
           <a:p>
             <a:r>
               <a:rPr lang="fr-FR" sz="2000" noProof="1"/>
-              <a:t>Because we have continuous probabilities, this will almost always have a unique solution. We won’t go through all of the math here; there is no analytic solution, but it can be solved using fast numerical methods.</a:t>
+              <a:t>Because we have </a:t>
+            </a:r>
+            <a:r>
+              <a:rPr lang="fr-FR" sz="2000" i="1" noProof="1"/>
+              <a:t>continuous probabilities</a:t>
+            </a:r>
+            <a:r>
+              <a:rPr lang="fr-FR" sz="2000" noProof="1"/>
+              <a:t>, this will almost always have a unique solution. We won’t go through all of the math here; there is no analytic solution, but it can be solved using fast numerical methods.</a:t>
             </a:r>
           </a:p>
         </p:txBody>
@@ -8208,7 +8276,51 @@
           <a:p>
             <a:r>
               <a:rPr lang="fr-FR" sz="2000" noProof="1"/>
-              <a:t>Because of the transformation by the link function and the relative scales of X and Y, it is can hard to directly interpret the exact meaning of the values a, b, and c. However, we can say something things:</a:t>
+              <a:t>Because of the transformation by the link function and the relative scales of X and Y, it is can hard to directly interpret the exact meaning of the values</a:t>
+            </a:r>
+          </a:p>
+          <a:p>
+            <a:r>
+              <a:rPr lang="fr-FR" sz="2000" b="1" noProof="1">
+                <a:solidFill>
+                  <a:schemeClr val="accent6">
+                    <a:lumMod val="75000"/>
+                  </a:schemeClr>
+                </a:solidFill>
+              </a:rPr>
+              <a:t>a</a:t>
+            </a:r>
+            <a:r>
+              <a:rPr lang="fr-FR" sz="2000" noProof="1"/>
+              <a:t>, </a:t>
+            </a:r>
+            <a:r>
+              <a:rPr lang="fr-FR" sz="2000" b="1" noProof="1">
+                <a:solidFill>
+                  <a:schemeClr val="accent6">
+                    <a:lumMod val="75000"/>
+                  </a:schemeClr>
+                </a:solidFill>
+              </a:rPr>
+              <a:t>b</a:t>
+            </a:r>
+            <a:r>
+              <a:rPr lang="fr-FR" sz="2000" noProof="1"/>
+              <a:t>, and </a:t>
+            </a:r>
+            <a:r>
+              <a:rPr lang="fr-FR" sz="2000" b="1" noProof="1">
+                <a:solidFill>
+                  <a:schemeClr val="accent6">
+                    <a:lumMod val="75000"/>
+                  </a:schemeClr>
+                </a:solidFill>
+              </a:rPr>
+              <a:t>c</a:t>
+            </a:r>
+            <a:r>
+              <a:rPr lang="fr-FR" sz="2000" noProof="1"/>
+              <a:t>. However, we can say something things:</a:t>
             </a:r>
           </a:p>
           <a:p>
@@ -8218,7 +8330,21 @@
             <a:pPr lvl="1"/>
             <a:r>
               <a:rPr lang="fr-FR" sz="2000" noProof="1"/>
-              <a:t>– If a is positive, X appears to be positively related to the orange class.</a:t>
+              <a:t>– If </a:t>
+            </a:r>
+            <a:r>
+              <a:rPr lang="fr-FR" sz="2000" b="1" noProof="1">
+                <a:solidFill>
+                  <a:schemeClr val="accent6">
+                    <a:lumMod val="75000"/>
+                  </a:schemeClr>
+                </a:solidFill>
+              </a:rPr>
+              <a:t>b</a:t>
+            </a:r>
+            <a:r>
+              <a:rPr lang="fr-FR" sz="2000" noProof="1"/>
+              <a:t> is positive, X appears to be positively related to the orange class.</a:t>
             </a:r>
           </a:p>
           <a:p>
@@ -8229,7 +8355,21 @@
             <a:pPr lvl="1"/>
             <a:r>
               <a:rPr lang="fr-FR" sz="2000" noProof="1"/>
-              <a:t>– If a is negative, X appears to be negatively related to the orange class.</a:t>
+              <a:t>– If </a:t>
+            </a:r>
+            <a:r>
+              <a:rPr lang="fr-FR" sz="2000" b="1" noProof="1">
+                <a:solidFill>
+                  <a:schemeClr val="accent6">
+                    <a:lumMod val="75000"/>
+                  </a:schemeClr>
+                </a:solidFill>
+              </a:rPr>
+              <a:t>b</a:t>
+            </a:r>
+            <a:r>
+              <a:rPr lang="fr-FR" sz="2000" noProof="1"/>
+              <a:t> is negative, X appears to be negatively related to the orange class.</a:t>
             </a:r>
           </a:p>
           <a:p>
@@ -8240,7 +8380,21 @@
             <a:pPr lvl="1"/>
             <a:r>
               <a:rPr lang="fr-FR" sz="2000" noProof="1"/>
-              <a:t>– If a is zero (or very small), X appears to have little to no effect on an observation’s label.</a:t>
+              <a:t>– If </a:t>
+            </a:r>
+            <a:r>
+              <a:rPr lang="fr-FR" sz="2000" b="1" noProof="1">
+                <a:solidFill>
+                  <a:schemeClr val="accent6">
+                    <a:lumMod val="75000"/>
+                  </a:schemeClr>
+                </a:solidFill>
+              </a:rPr>
+              <a:t>b</a:t>
+            </a:r>
+            <a:r>
+              <a:rPr lang="fr-FR" sz="2000" noProof="1"/>
+              <a:t> is zero (or very small), X appears to have little to no effect on an observation’s label.</a:t>
             </a:r>
           </a:p>
           <a:p>
@@ -8249,7 +8403,21 @@
           <a:p>
             <a:r>
               <a:rPr lang="fr-FR" sz="2000" noProof="1"/>
-              <a:t>The same things can be said with repect to c and the variable Y.</a:t>
+              <a:t>The same things can be said with repect to </a:t>
+            </a:r>
+            <a:r>
+              <a:rPr lang="fr-FR" sz="2000" b="1" noProof="1">
+                <a:solidFill>
+                  <a:schemeClr val="accent6">
+                    <a:lumMod val="75000"/>
+                  </a:schemeClr>
+                </a:solidFill>
+              </a:rPr>
+              <a:t>c</a:t>
+            </a:r>
+            <a:r>
+              <a:rPr lang="fr-FR" sz="2000" noProof="1"/>
+              <a:t> and the variable Y.</a:t>
             </a:r>
           </a:p>
         </p:txBody>
@@ -8563,7 +8731,7 @@
             </a:r>
             <a:r>
               <a:rPr lang="fr-FR" sz="3600" noProof="1"/>
-              <a:t>It is perhaps the most important method in all of machine learning.</a:t>
+              <a:t>It is perhaps the most fundamental method in all of machine learning.</a:t>
             </a:r>
           </a:p>
           <a:p>
@@ -9937,7 +10105,7 @@
           <a:p>
             <a:r>
               <a:rPr lang="fr-FR" sz="2000" noProof="1"/>
-              <a:t>In the model we built on the left, our error rate is 0%. It’s perfect! But, we are cheating a bit because we are evaluating the model with the same data that was used to build the model.</a:t>
+              <a:t>In the model we built on the right, our error rate is 0%. It’s perfect! But, we are cheating a bit because we are evaluating the model with the same data that was used to build the model.</a:t>
             </a:r>
           </a:p>
         </p:txBody>
@@ -10155,7 +10323,7 @@
           <a:p>
             <a:r>
               <a:rPr lang="fr-FR" sz="2000" noProof="1"/>
-              <a:t>The most common ML approach to this issue is to randomly split our data into two parts:</a:t>
+              <a:t>The most common approach to this issue is to randomly split our data into two parts:</a:t>
             </a:r>
           </a:p>
           <a:p>
